--- a/doc/sas13/figures/sign-graph-joint.pptx
+++ b/doc/sas13/figures/sign-graph-joint.pptx
@@ -288,7 +288,7 @@
           <a:p>
             <a:fld id="{E5037FE4-F944-46FE-89A1-2896AF2EAA2F}" type="datetimeFigureOut">
               <a:rPr lang="en-US" smtClean="0"/>
-              <a:t>7/11/2012</a:t>
+              <a:t>2/7/2013</a:t>
             </a:fld>
             <a:endParaRPr lang="en-US"/>
           </a:p>
@@ -458,7 +458,7 @@
           <a:p>
             <a:fld id="{E5037FE4-F944-46FE-89A1-2896AF2EAA2F}" type="datetimeFigureOut">
               <a:rPr lang="en-US" smtClean="0"/>
-              <a:t>7/11/2012</a:t>
+              <a:t>2/7/2013</a:t>
             </a:fld>
             <a:endParaRPr lang="en-US"/>
           </a:p>
@@ -638,7 +638,7 @@
           <a:p>
             <a:fld id="{E5037FE4-F944-46FE-89A1-2896AF2EAA2F}" type="datetimeFigureOut">
               <a:rPr lang="en-US" smtClean="0"/>
-              <a:t>7/11/2012</a:t>
+              <a:t>2/7/2013</a:t>
             </a:fld>
             <a:endParaRPr lang="en-US"/>
           </a:p>
@@ -808,7 +808,7 @@
           <a:p>
             <a:fld id="{E5037FE4-F944-46FE-89A1-2896AF2EAA2F}" type="datetimeFigureOut">
               <a:rPr lang="en-US" smtClean="0"/>
-              <a:t>7/11/2012</a:t>
+              <a:t>2/7/2013</a:t>
             </a:fld>
             <a:endParaRPr lang="en-US"/>
           </a:p>
@@ -1054,7 +1054,7 @@
           <a:p>
             <a:fld id="{E5037FE4-F944-46FE-89A1-2896AF2EAA2F}" type="datetimeFigureOut">
               <a:rPr lang="en-US" smtClean="0"/>
-              <a:t>7/11/2012</a:t>
+              <a:t>2/7/2013</a:t>
             </a:fld>
             <a:endParaRPr lang="en-US"/>
           </a:p>
@@ -1342,7 +1342,7 @@
           <a:p>
             <a:fld id="{E5037FE4-F944-46FE-89A1-2896AF2EAA2F}" type="datetimeFigureOut">
               <a:rPr lang="en-US" smtClean="0"/>
-              <a:t>7/11/2012</a:t>
+              <a:t>2/7/2013</a:t>
             </a:fld>
             <a:endParaRPr lang="en-US"/>
           </a:p>
@@ -1764,7 +1764,7 @@
           <a:p>
             <a:fld id="{E5037FE4-F944-46FE-89A1-2896AF2EAA2F}" type="datetimeFigureOut">
               <a:rPr lang="en-US" smtClean="0"/>
-              <a:t>7/11/2012</a:t>
+              <a:t>2/7/2013</a:t>
             </a:fld>
             <a:endParaRPr lang="en-US"/>
           </a:p>
@@ -1882,7 +1882,7 @@
           <a:p>
             <a:fld id="{E5037FE4-F944-46FE-89A1-2896AF2EAA2F}" type="datetimeFigureOut">
               <a:rPr lang="en-US" smtClean="0"/>
-              <a:t>7/11/2012</a:t>
+              <a:t>2/7/2013</a:t>
             </a:fld>
             <a:endParaRPr lang="en-US"/>
           </a:p>
@@ -1977,7 +1977,7 @@
           <a:p>
             <a:fld id="{E5037FE4-F944-46FE-89A1-2896AF2EAA2F}" type="datetimeFigureOut">
               <a:rPr lang="en-US" smtClean="0"/>
-              <a:t>7/11/2012</a:t>
+              <a:t>2/7/2013</a:t>
             </a:fld>
             <a:endParaRPr lang="en-US"/>
           </a:p>
@@ -2254,7 +2254,7 @@
           <a:p>
             <a:fld id="{E5037FE4-F944-46FE-89A1-2896AF2EAA2F}" type="datetimeFigureOut">
               <a:rPr lang="en-US" smtClean="0"/>
-              <a:t>7/11/2012</a:t>
+              <a:t>2/7/2013</a:t>
             </a:fld>
             <a:endParaRPr lang="en-US"/>
           </a:p>
@@ -2507,7 +2507,7 @@
           <a:p>
             <a:fld id="{E5037FE4-F944-46FE-89A1-2896AF2EAA2F}" type="datetimeFigureOut">
               <a:rPr lang="en-US" smtClean="0"/>
-              <a:t>7/11/2012</a:t>
+              <a:t>2/7/2013</a:t>
             </a:fld>
             <a:endParaRPr lang="en-US"/>
           </a:p>
@@ -2720,7 +2720,7 @@
           <a:p>
             <a:fld id="{E5037FE4-F944-46FE-89A1-2896AF2EAA2F}" type="datetimeFigureOut">
               <a:rPr lang="en-US" smtClean="0"/>
-              <a:t>7/11/2012</a:t>
+              <a:t>2/7/2013</a:t>
             </a:fld>
             <a:endParaRPr lang="en-US"/>
           </a:p>
@@ -4497,7 +4497,6 @@
               <a:rPr lang="en-US" sz="2000" i="1" dirty="0" smtClean="0"/>
               <a:t> </a:t>
             </a:r>
-            <a:endParaRPr lang="en-US" sz="2000" i="1" dirty="0" smtClean="0"/>
           </a:p>
           <a:p>
             <a:r>
@@ -4746,7 +4745,6 @@
               <a:rPr lang="en-US" dirty="0"/>
               <a:t>}</a:t>
             </a:r>
-            <a:endParaRPr lang="en-US" dirty="0"/>
           </a:p>
         </p:txBody>
       </p:sp>
@@ -4862,7 +4860,6 @@
               <a:rPr lang="en-US" dirty="0"/>
               <a:t>}</a:t>
             </a:r>
-            <a:endParaRPr lang="en-US" dirty="0"/>
           </a:p>
         </p:txBody>
       </p:sp>
@@ -4918,7 +4915,6 @@
               <a:rPr lang="en-US" dirty="0"/>
               <a:t>}</a:t>
             </a:r>
-            <a:endParaRPr lang="en-US" dirty="0"/>
           </a:p>
         </p:txBody>
       </p:sp>
@@ -4930,7 +4926,7 @@
         </p:nvSpPr>
         <p:spPr>
           <a:xfrm>
-            <a:off x="2829788" y="5638800"/>
+            <a:off x="2690609" y="5977354"/>
             <a:ext cx="2504212" cy="677108"/>
           </a:xfrm>
           <a:prstGeom prst="rect">
@@ -4953,7 +4949,7 @@
             </a:r>
             <a:r>
               <a:rPr lang="en-US" sz="2000" b="1" baseline="-25000" dirty="0" smtClean="0"/>
-              <a:t>2</a:t>
+              <a:t>2	</a:t>
             </a:r>
             <a:endParaRPr lang="en-US" i="1" dirty="0" smtClean="0"/>
           </a:p>
@@ -5012,7 +5008,6 @@
               <a:rPr lang="en-US" dirty="0"/>
               <a:t>}</a:t>
             </a:r>
-            <a:endParaRPr lang="en-US" dirty="0"/>
           </a:p>
         </p:txBody>
       </p:sp>
@@ -5024,7 +5019,7 @@
         </p:nvSpPr>
         <p:spPr>
           <a:xfrm>
-            <a:off x="898797" y="5638800"/>
+            <a:off x="606638" y="5977354"/>
             <a:ext cx="2073003" cy="677108"/>
           </a:xfrm>
           <a:prstGeom prst="rect">
@@ -5043,7 +5038,7 @@
               <a:rPr lang="en-US" sz="2000" b="1" dirty="0" smtClean="0">
                 <a:sym typeface="Math A"/>
               </a:rPr>
-              <a:t></a:t>
+              <a:t>	      </a:t>
             </a:r>
             <a:r>
               <a:rPr lang="en-US" sz="2000" b="1" baseline="-25000" dirty="0" smtClean="0"/>
@@ -5214,6 +5209,68 @@
               <a:t></a:t>
             </a:r>
             <a:endParaRPr lang="en-US" sz="2400" b="1" dirty="0"/>
+          </a:p>
+        </p:txBody>
+      </p:sp>
+      <p:sp>
+        <p:nvSpPr>
+          <p:cNvPr id="4" name="Rectangle 3"/>
+          <p:cNvSpPr/>
+          <p:nvPr/>
+        </p:nvSpPr>
+        <p:spPr>
+          <a:xfrm>
+            <a:off x="1828800" y="2067580"/>
+            <a:ext cx="364202" cy="523220"/>
+          </a:xfrm>
+          <a:prstGeom prst="rect">
+            <a:avLst/>
+          </a:prstGeom>
+        </p:spPr>
+        <p:txBody>
+          <a:bodyPr wrap="none">
+            <a:spAutoFit/>
+          </a:bodyPr>
+          <a:lstStyle/>
+          <a:p>
+            <a:r>
+              <a:rPr lang="en-US" sz="2800" b="1" dirty="0" smtClean="0">
+                <a:sym typeface="Math A"/>
+              </a:rPr>
+              <a:t>*</a:t>
+            </a:r>
+            <a:endParaRPr lang="en-US" sz="2800" dirty="0"/>
+          </a:p>
+        </p:txBody>
+      </p:sp>
+      <p:sp>
+        <p:nvSpPr>
+          <p:cNvPr id="58" name="Rectangle 57"/>
+          <p:cNvSpPr/>
+          <p:nvPr/>
+        </p:nvSpPr>
+        <p:spPr>
+          <a:xfrm>
+            <a:off x="7887549" y="1981200"/>
+            <a:ext cx="543739" cy="523220"/>
+          </a:xfrm>
+          <a:prstGeom prst="rect">
+            <a:avLst/>
+          </a:prstGeom>
+        </p:spPr>
+        <p:txBody>
+          <a:bodyPr wrap="none">
+            <a:spAutoFit/>
+          </a:bodyPr>
+          <a:lstStyle/>
+          <a:p>
+            <a:r>
+              <a:rPr lang="en-US" sz="2800" b="1" dirty="0" smtClean="0">
+                <a:sym typeface="Math A"/>
+              </a:rPr>
+              <a:t>**</a:t>
+            </a:r>
+            <a:endParaRPr lang="en-US" sz="2800" dirty="0"/>
           </a:p>
         </p:txBody>
       </p:sp>
